--- a/Project/Context/FindMyPlace.context.pptx
+++ b/Project/Context/FindMyPlace.context.pptx
@@ -4372,64 +4372,6 @@
         </p:nvGrpSpPr>
         <p:grpSpPr>
           <a:xfrm rot="0">
-            <a:off x="11527531" y="1028700"/>
-            <a:ext cx="5731769" cy="6104579"/>
-            <a:chOff x="0" y="0"/>
-            <a:chExt cx="724455" cy="771575"/>
-          </a:xfrm>
-        </p:grpSpPr>
-        <p:sp>
-          <p:nvSpPr>
-            <p:cNvPr name="Freeform 9" id="9"/>
-            <p:cNvSpPr/>
-            <p:nvPr/>
-          </p:nvSpPr>
-          <p:spPr>
-            <a:xfrm flipH="false" flipV="false" rot="0">
-              <a:off x="0" y="0"/>
-              <a:ext cx="724455" cy="771575"/>
-            </a:xfrm>
-            <a:custGeom>
-              <a:avLst/>
-              <a:gdLst/>
-              <a:ahLst/>
-              <a:cxnLst/>
-              <a:rect r="r" b="b" t="t" l="l"/>
-              <a:pathLst>
-                <a:path h="771575" w="724455">
-                  <a:moveTo>
-                    <a:pt x="0" y="0"/>
-                  </a:moveTo>
-                  <a:lnTo>
-                    <a:pt x="724455" y="0"/>
-                  </a:lnTo>
-                  <a:lnTo>
-                    <a:pt x="724455" y="771575"/>
-                  </a:lnTo>
-                  <a:lnTo>
-                    <a:pt x="0" y="771575"/>
-                  </a:lnTo>
-                  <a:close/>
-                </a:path>
-              </a:pathLst>
-            </a:custGeom>
-            <a:blipFill>
-              <a:blip r:embed="rId2"/>
-              <a:stretch>
-                <a:fillRect l="-49981" t="0" r="-9774" b="0"/>
-              </a:stretch>
-            </a:blipFill>
-          </p:spPr>
-        </p:sp>
-      </p:grpSp>
-      <p:grpSp>
-        <p:nvGrpSpPr>
-          <p:cNvPr name="Group 10" id="10"/>
-          <p:cNvGrpSpPr/>
-          <p:nvPr/>
-        </p:nvGrpSpPr>
-        <p:grpSpPr>
-          <a:xfrm rot="0">
             <a:off x="16553472" y="9258300"/>
             <a:ext cx="705828" cy="128467"/>
             <a:chOff x="0" y="0"/>
@@ -4438,7 +4380,7 @@
         </p:grpSpPr>
         <p:sp>
           <p:nvSpPr>
-            <p:cNvPr name="Freeform 11" id="11"/>
+            <p:cNvPr name="Freeform 9" id="9"/>
             <p:cNvSpPr/>
             <p:nvPr/>
           </p:nvSpPr>
@@ -4478,7 +4420,7 @@
         </p:sp>
         <p:sp>
           <p:nvSpPr>
-            <p:cNvPr name="TextBox 12" id="12"/>
+            <p:cNvPr name="TextBox 10" id="10"/>
             <p:cNvSpPr txBox="true"/>
             <p:nvPr/>
           </p:nvSpPr>
@@ -4506,7 +4448,7 @@
       </p:grpSp>
       <p:sp>
         <p:nvSpPr>
-          <p:cNvPr name="Freeform 13" id="13"/>
+          <p:cNvPr name="Freeform 11" id="11"/>
           <p:cNvSpPr/>
           <p:nvPr/>
         </p:nvSpPr>
@@ -4543,7 +4485,7 @@
             </a:pathLst>
           </a:custGeom>
           <a:blipFill>
-            <a:blip r:embed="rId3"/>
+            <a:blip r:embed="rId2"/>
             <a:stretch>
               <a:fillRect l="0" t="0" r="0" b="0"/>
             </a:stretch>
@@ -4552,7 +4494,7 @@
       </p:sp>
       <p:sp>
         <p:nvSpPr>
-          <p:cNvPr name="TextBox 14" id="14"/>
+          <p:cNvPr name="TextBox 12" id="12"/>
           <p:cNvSpPr txBox="true"/>
           <p:nvPr/>
         </p:nvSpPr>
@@ -4593,7 +4535,7 @@
       </p:sp>
       <p:sp>
         <p:nvSpPr>
-          <p:cNvPr name="TextBox 15" id="15"/>
+          <p:cNvPr name="TextBox 13" id="13"/>
           <p:cNvSpPr txBox="true"/>
           <p:nvPr/>
         </p:nvSpPr>
@@ -4705,28 +4647,28 @@
       </p:sp>
       <p:grpSp>
         <p:nvGrpSpPr>
-          <p:cNvPr name="Group 16" id="16"/>
+          <p:cNvPr name="Group 14" id="14"/>
           <p:cNvGrpSpPr/>
           <p:nvPr/>
         </p:nvGrpSpPr>
         <p:grpSpPr>
           <a:xfrm rot="0">
-            <a:off x="11602291" y="7904928"/>
-            <a:ext cx="5582249" cy="1180858"/>
+            <a:off x="8472648" y="3324668"/>
+            <a:ext cx="8598131" cy="1818832"/>
             <a:chOff x="0" y="0"/>
-            <a:chExt cx="7442999" cy="1574477"/>
+            <a:chExt cx="11464175" cy="2425109"/>
           </a:xfrm>
         </p:grpSpPr>
         <p:sp>
           <p:nvSpPr>
-            <p:cNvPr name="Freeform 17" id="17"/>
+            <p:cNvPr name="Freeform 15" id="15"/>
             <p:cNvSpPr/>
             <p:nvPr/>
           </p:nvSpPr>
           <p:spPr>
             <a:xfrm flipH="false" flipV="false" rot="0">
               <a:off x="0" y="0"/>
-              <a:ext cx="1462296" cy="1574477"/>
+              <a:ext cx="2252320" cy="2425109"/>
             </a:xfrm>
             <a:custGeom>
               <a:avLst/>
@@ -4735,18 +4677,64 @@
               <a:cxnLst/>
               <a:rect r="r" b="b" t="t" l="l"/>
               <a:pathLst>
-                <a:path h="1574477" w="1462296">
+                <a:path h="2425109" w="2252320">
                   <a:moveTo>
                     <a:pt x="0" y="0"/>
                   </a:moveTo>
                   <a:lnTo>
-                    <a:pt x="1462296" y="0"/>
+                    <a:pt x="2252320" y="0"/>
                   </a:lnTo>
                   <a:lnTo>
-                    <a:pt x="1462296" y="1574477"/>
+                    <a:pt x="2252320" y="2425109"/>
                   </a:lnTo>
                   <a:lnTo>
-                    <a:pt x="0" y="1574477"/>
+                    <a:pt x="0" y="2425109"/>
+                  </a:lnTo>
+                  <a:lnTo>
+                    <a:pt x="0" y="0"/>
+                  </a:lnTo>
+                  <a:close/>
+                </a:path>
+              </a:pathLst>
+            </a:custGeom>
+            <a:blipFill>
+              <a:blip r:embed="rId3"/>
+              <a:stretch>
+                <a:fillRect l="0" t="0" r="0" b="0"/>
+              </a:stretch>
+            </a:blipFill>
+          </p:spPr>
+        </p:sp>
+        <p:sp>
+          <p:nvSpPr>
+            <p:cNvPr name="Freeform 16" id="16"/>
+            <p:cNvSpPr/>
+            <p:nvPr/>
+          </p:nvSpPr>
+          <p:spPr>
+            <a:xfrm flipH="false" flipV="false" rot="0">
+              <a:off x="4834664" y="207495"/>
+              <a:ext cx="2010119" cy="2010119"/>
+            </a:xfrm>
+            <a:custGeom>
+              <a:avLst/>
+              <a:gdLst/>
+              <a:ahLst/>
+              <a:cxnLst/>
+              <a:rect r="r" b="b" t="t" l="l"/>
+              <a:pathLst>
+                <a:path h="2010119" w="2010119">
+                  <a:moveTo>
+                    <a:pt x="0" y="0"/>
+                  </a:moveTo>
+                  <a:lnTo>
+                    <a:pt x="2010119" y="0"/>
+                  </a:lnTo>
+                  <a:lnTo>
+                    <a:pt x="2010119" y="2010119"/>
+                  </a:lnTo>
+                  <a:lnTo>
+                    <a:pt x="0" y="2010119"/>
                   </a:lnTo>
                   <a:lnTo>
                     <a:pt x="0" y="0"/>
@@ -4765,14 +4753,14 @@
         </p:sp>
         <p:sp>
           <p:nvSpPr>
-            <p:cNvPr name="Freeform 18" id="18"/>
+            <p:cNvPr name="Freeform 17" id="17"/>
             <p:cNvSpPr/>
             <p:nvPr/>
           </p:nvSpPr>
           <p:spPr>
             <a:xfrm flipH="false" flipV="false" rot="0">
-              <a:off x="3138856" y="134714"/>
-              <a:ext cx="1305049" cy="1305049"/>
+              <a:off x="9299169" y="52609"/>
+              <a:ext cx="2165005" cy="2165005"/>
             </a:xfrm>
             <a:custGeom>
               <a:avLst/>
@@ -4781,18 +4769,18 @@
               <a:cxnLst/>
               <a:rect r="r" b="b" t="t" l="l"/>
               <a:pathLst>
-                <a:path h="1305049" w="1305049">
+                <a:path h="2165005" w="2165005">
                   <a:moveTo>
                     <a:pt x="0" y="0"/>
                   </a:moveTo>
                   <a:lnTo>
-                    <a:pt x="1305049" y="0"/>
+                    <a:pt x="2165006" y="0"/>
                   </a:lnTo>
                   <a:lnTo>
-                    <a:pt x="1305049" y="1305049"/>
+                    <a:pt x="2165006" y="2165005"/>
                   </a:lnTo>
                   <a:lnTo>
-                    <a:pt x="0" y="1305049"/>
+                    <a:pt x="0" y="2165005"/>
                   </a:lnTo>
                   <a:lnTo>
                     <a:pt x="0" y="0"/>
@@ -4811,65 +4799,19 @@
         </p:sp>
         <p:sp>
           <p:nvSpPr>
-            <p:cNvPr name="Freeform 19" id="19"/>
-            <p:cNvSpPr/>
-            <p:nvPr/>
-          </p:nvSpPr>
-          <p:spPr>
-            <a:xfrm flipH="false" flipV="false" rot="0">
-              <a:off x="6037391" y="34156"/>
-              <a:ext cx="1405608" cy="1405608"/>
-            </a:xfrm>
-            <a:custGeom>
-              <a:avLst/>
-              <a:gdLst/>
-              <a:ahLst/>
-              <a:cxnLst/>
-              <a:rect r="r" b="b" t="t" l="l"/>
-              <a:pathLst>
-                <a:path h="1405608" w="1405608">
-                  <a:moveTo>
-                    <a:pt x="0" y="0"/>
-                  </a:moveTo>
-                  <a:lnTo>
-                    <a:pt x="1405608" y="0"/>
-                  </a:lnTo>
-                  <a:lnTo>
-                    <a:pt x="1405608" y="1405607"/>
-                  </a:lnTo>
-                  <a:lnTo>
-                    <a:pt x="0" y="1405607"/>
-                  </a:lnTo>
-                  <a:lnTo>
-                    <a:pt x="0" y="0"/>
-                  </a:lnTo>
-                  <a:close/>
-                </a:path>
-              </a:pathLst>
-            </a:custGeom>
-            <a:blipFill>
-              <a:blip r:embed="rId6"/>
-              <a:stretch>
-                <a:fillRect l="0" t="0" r="0" b="0"/>
-              </a:stretch>
-            </a:blipFill>
-          </p:spPr>
-        </p:sp>
-        <p:sp>
-          <p:nvSpPr>
-            <p:cNvPr name="AutoShape 20" id="20"/>
+            <p:cNvPr name="AutoShape 18" id="18"/>
             <p:cNvSpPr/>
             <p:nvPr/>
           </p:nvSpPr>
           <p:spPr>
             <a:xfrm>
-              <a:off x="1462296" y="799700"/>
-              <a:ext cx="1472831" cy="0"/>
+              <a:off x="2252320" y="1231748"/>
+              <a:ext cx="2268547" cy="0"/>
             </a:xfrm>
             <a:prstGeom prst="line">
               <a:avLst/>
             </a:prstGeom>
-            <a:ln cap="flat" w="24923">
+            <a:ln cap="flat" w="38388">
               <a:solidFill>
                 <a:srgbClr val="000000"/>
               </a:solidFill>
@@ -4881,19 +4823,19 @@
         </p:sp>
         <p:sp>
           <p:nvSpPr>
-            <p:cNvPr name="AutoShape 21" id="21"/>
+            <p:cNvPr name="AutoShape 19" id="19"/>
             <p:cNvSpPr/>
             <p:nvPr/>
           </p:nvSpPr>
           <p:spPr>
             <a:xfrm>
-              <a:off x="4443905" y="774777"/>
-              <a:ext cx="1472831" cy="0"/>
+              <a:off x="6844783" y="1193360"/>
+              <a:ext cx="2268547" cy="0"/>
             </a:xfrm>
             <a:prstGeom prst="line">
               <a:avLst/>
             </a:prstGeom>
-            <a:ln cap="flat" w="24923">
+            <a:ln cap="flat" w="38388">
               <a:solidFill>
                 <a:srgbClr val="000000"/>
               </a:solidFill>

--- a/Project/Context/FindMyPlace.context.pptx
+++ b/Project/Context/FindMyPlace.context.pptx
@@ -15303,7 +15303,7 @@
                   </a:tcPr>
                 </a:tc>
               </a:tr>
-              <a:tr h="1006170">
+              <a:tr h="1246806">
                 <a:tc>
                   <a:txBody>
                     <a:bodyPr anchor="t" rtlCol="false"/>
@@ -15325,7 +15325,7 @@
                           <a:cs typeface="Open Sans"/>
                           <a:sym typeface="Open Sans"/>
                         </a:rPr>
-                        <a:t>Disponibilidad (Availability)</a:t>
+                        <a:t>Escalabilidad (Scalability)</a:t>
                       </a:r>
                       <a:endParaRPr lang="en-US" sz="1100"/>
                     </a:p>
@@ -15390,7 +15390,7 @@
                           <a:cs typeface="Open Sans"/>
                           <a:sym typeface="Open Sans"/>
                         </a:rPr>
-                        <a:t>Grado en que el sistema se mantiene operativo y accesible de forma continua para ejecutar análisis críticos.</a:t>
+                        <a:t>Capacidad para mantener el rendimiento y funcionalidades aunque se incremente el número de usuarios o la cantidad de datos.</a:t>
                       </a:r>
                       <a:endParaRPr lang="en-US" sz="1100"/>
                     </a:p>
@@ -15455,7 +15455,7 @@
                           <a:cs typeface="Open Sans"/>
                           <a:sym typeface="Open Sans"/>
                         </a:rPr>
-                        <a:t>Disponibilidad del servicio superior al 90% medida mensualmente.</a:t>
+                        <a:t>Manejo de ≥100 usuarios concurrentes con tiempos estables (&lt;10 seg) y sin degradación marcada.</a:t>
                       </a:r>
                       <a:endParaRPr lang="en-US" sz="1100"/>
                     </a:p>
@@ -15585,7 +15585,7 @@
                           <a:cs typeface="Open Sans"/>
                           <a:sym typeface="Open Sans"/>
                         </a:rPr>
-                        <a:t>2</a:t>
+                        <a:t>3</a:t>
                       </a:r>
                       <a:endParaRPr lang="en-US" sz="1100"/>
                     </a:p>
@@ -15650,7 +15650,7 @@
                           <a:cs typeface="Open Sans"/>
                           <a:sym typeface="Open Sans"/>
                         </a:rPr>
-                        <a:t>17.8</a:t>
+                        <a:t>17</a:t>
                       </a:r>
                       <a:endParaRPr lang="en-US" sz="1100"/>
                     </a:p>
@@ -15715,7 +15715,7 @@
                           <a:cs typeface="Open Sans"/>
                           <a:sym typeface="Open Sans"/>
                         </a:rPr>
-                        <a:t>(2 + 2) * 17.8 = 71.2</a:t>
+                        <a:t>(2 + 3) * 17 = 85</a:t>
                       </a:r>
                       <a:endParaRPr lang="en-US" sz="1100"/>
                     </a:p>
@@ -15760,7 +15760,7 @@
                   </a:tcPr>
                 </a:tc>
               </a:tr>
-              <a:tr h="1246806">
+              <a:tr h="1006170">
                 <a:tc>
                   <a:txBody>
                     <a:bodyPr anchor="t" rtlCol="false"/>
@@ -15782,7 +15782,7 @@
                           <a:cs typeface="Open Sans"/>
                           <a:sym typeface="Open Sans"/>
                         </a:rPr>
-                        <a:t>Escalabilidad (Scalability)</a:t>
+                        <a:t>Disponibilidad (Availability)</a:t>
                       </a:r>
                       <a:endParaRPr lang="en-US" sz="1100"/>
                     </a:p>
@@ -15847,7 +15847,7 @@
                           <a:cs typeface="Open Sans"/>
                           <a:sym typeface="Open Sans"/>
                         </a:rPr>
-                        <a:t>Capacidad para mantener el rendimiento y funcionalidades aunque se incremente el número de usuarios o la cantidad de datos.</a:t>
+                        <a:t>Grado en que el sistema se mantiene operativo y accesible de forma continua para ejecutar análisis críticos.</a:t>
                       </a:r>
                       <a:endParaRPr lang="en-US" sz="1100"/>
                     </a:p>
@@ -15912,7 +15912,7 @@
                           <a:cs typeface="Open Sans"/>
                           <a:sym typeface="Open Sans"/>
                         </a:rPr>
-                        <a:t>Manejo de ≥100 usuarios concurrentes con tiempos estables (&lt;10 seg) y sin degradación marcada.</a:t>
+                        <a:t>Disponibilidad del servicio superior al 90% medida mensualmente.</a:t>
                       </a:r>
                       <a:endParaRPr lang="en-US" sz="1100"/>
                     </a:p>
@@ -16042,7 +16042,7 @@
                           <a:cs typeface="Open Sans"/>
                           <a:sym typeface="Open Sans"/>
                         </a:rPr>
-                        <a:t>3</a:t>
+                        <a:t>2</a:t>
                       </a:r>
                       <a:endParaRPr lang="en-US" sz="1100"/>
                     </a:p>
@@ -16107,7 +16107,7 @@
                           <a:cs typeface="Open Sans"/>
                           <a:sym typeface="Open Sans"/>
                         </a:rPr>
-                        <a:t>17</a:t>
+                        <a:t>17.8</a:t>
                       </a:r>
                       <a:endParaRPr lang="en-US" sz="1100"/>
                     </a:p>
@@ -16172,7 +16172,7 @@
                           <a:cs typeface="Open Sans"/>
                           <a:sym typeface="Open Sans"/>
                         </a:rPr>
-                        <a:t>(2 + 3) * 17 = 85</a:t>
+                        <a:t>(2 + 2) * 17.8 = 71.2</a:t>
                       </a:r>
                       <a:endParaRPr lang="en-US" sz="1100"/>
                     </a:p>
